--- a/Netflix Movie Recommendations - Final Project - Team Six.pptx
+++ b/Netflix Movie Recommendations - Final Project - Team Six.pptx
@@ -254,8 +254,11 @@
     </a:lvl9pPr>
   </p:defaultTextStyle>
   <p:extLst>
+    <p:ext uri="{EFAFB233-063F-42B5-8137-9DF3F51BA10A}">
+      <p15:sldGuideLst xmlns:p15="http://schemas.microsoft.com/office/powerpoint/2012/main"/>
+    </p:ext>
     <p:ext uri="http://customooxmlschemas.google.com/">
-      <go:slidesCustomData xmlns:go="http://customooxmlschemas.google.com/" xmlns:p15="http://schemas.microsoft.com/office/powerpoint/2012/main" xmlns:p14="http://schemas.microsoft.com/office/powerpoint/2010/main" xmlns:com="http://schemas.openxmlformats.org/drawingml/2006/compatibility" xmlns:pvml="urn:schemas-microsoft-com:office:powerpoint" xmlns:v="urn:schemas-microsoft-com:vml" xmlns:o="urn:schemas-microsoft-com:office:office" xmlns:dgm="http://schemas.openxmlformats.org/drawingml/2006/diagram" xmlns:c="http://schemas.openxmlformats.org/drawingml/2006/chart" xmlns:mv="urn:schemas-microsoft-com:mac:vml" xmlns:mc="http://schemas.openxmlformats.org/markup-compatibility/2006" xmlns="" r:id="rId18" roundtripDataSignature="AMtx7mjRwvEmUTNRjWAkdb7VUgysWe/U1w=="/>
+      <go:slidesCustomData xmlns="" xmlns:mc="http://schemas.openxmlformats.org/markup-compatibility/2006" xmlns:mv="urn:schemas-microsoft-com:mac:vml" xmlns:c="http://schemas.openxmlformats.org/drawingml/2006/chart" xmlns:dgm="http://schemas.openxmlformats.org/drawingml/2006/diagram" xmlns:o="urn:schemas-microsoft-com:office:office" xmlns:v="urn:schemas-microsoft-com:vml" xmlns:pvml="urn:schemas-microsoft-com:office:powerpoint" xmlns:com="http://schemas.openxmlformats.org/drawingml/2006/compatibility" xmlns:p14="http://schemas.microsoft.com/office/powerpoint/2010/main" xmlns:p15="http://schemas.microsoft.com/office/powerpoint/2012/main" xmlns:go="http://customooxmlschemas.google.com/" r:id="rId18" roundtripDataSignature="AMtx7mjRwvEmUTNRjWAkdb7VUgysWe/U1w=="/>
     </p:ext>
   </p:extLst>
 </p:presentation>
@@ -1022,10 +1025,10 @@
               <a:buChar char="●"/>
             </a:pPr>
             <a:r>
-              <a:rPr lang="en-US"/>
+              <a:rPr lang="en-US" dirty="0"/>
               <a:t>The second run of the model we ran it on 30 million rows of data. (30% of our data).  Took ~ 12 hours</a:t>
             </a:r>
-            <a:endParaRPr/>
+            <a:endParaRPr dirty="0"/>
           </a:p>
           <a:p>
             <a:pPr marL="628650" lvl="1" indent="-171450" algn="l" rtl="0">
@@ -1042,10 +1045,10 @@
               <a:buChar char="○"/>
             </a:pPr>
             <a:r>
-              <a:rPr lang="en-US"/>
+              <a:rPr lang="en-US" dirty="0"/>
               <a:t>Within surprise there is cross-validation (folds)</a:t>
             </a:r>
-            <a:endParaRPr/>
+            <a:endParaRPr dirty="0"/>
           </a:p>
           <a:p>
             <a:pPr marL="171450" lvl="0" indent="-171450" algn="l" rtl="0">
@@ -1062,10 +1065,10 @@
               <a:buChar char="●"/>
             </a:pPr>
             <a:r>
-              <a:rPr lang="en-US"/>
+              <a:rPr lang="en-US" dirty="0"/>
               <a:t>As we can see, our RSME is lowering as we add more data</a:t>
             </a:r>
-            <a:endParaRPr/>
+            <a:endParaRPr dirty="0"/>
           </a:p>
         </p:txBody>
       </p:sp>
@@ -22056,7 +22059,7 @@
               <a:buChar char="•"/>
             </a:pPr>
             <a:r>
-              <a:rPr lang="en-US" sz="2400" b="0" i="0" u="none" strike="noStrike" cap="none">
+              <a:rPr lang="en-US" sz="2400" b="0" i="0" u="none" strike="noStrike" cap="none" dirty="0">
                 <a:solidFill>
                   <a:schemeClr val="dk1"/>
                 </a:solidFill>
@@ -22067,7 +22070,7 @@
               </a:rPr>
               <a:t>Research into solving the problem prior to jumping into creating our own solution paid off GREATLY</a:t>
             </a:r>
-            <a:endParaRPr/>
+            <a:endParaRPr dirty="0"/>
           </a:p>
           <a:p>
             <a:pPr marL="228600" marR="0" lvl="0" indent="-76200" algn="l" rtl="0">
@@ -22087,7 +22090,7 @@
               <a:buFont typeface="Arial"/>
               <a:buNone/>
             </a:pPr>
-            <a:endParaRPr sz="2400" b="0" i="0" u="none" strike="noStrike" cap="none">
+            <a:endParaRPr sz="2400" b="0" i="0" u="none" strike="noStrike" cap="none" dirty="0">
               <a:solidFill>
                 <a:schemeClr val="dk1"/>
               </a:solidFill>
@@ -22116,7 +22119,7 @@
               <a:buChar char="•"/>
             </a:pPr>
             <a:r>
-              <a:rPr lang="en-US" sz="2400" b="0" i="0" u="none" strike="noStrike" cap="none">
+              <a:rPr lang="en-US" sz="2400" b="0" i="0" u="none" strike="noStrike" cap="none" dirty="0">
                 <a:solidFill>
                   <a:schemeClr val="dk1"/>
                 </a:solidFill>
@@ -22125,9 +22128,9 @@
                 <a:cs typeface="Calibri"/>
                 <a:sym typeface="Calibri"/>
               </a:rPr>
-              <a:t>Overall this dataset and methodology was a little too taxing on the computer and slow for it to be a viable solution for Netflix</a:t>
+              <a:t>Overall this dataset and methodology was a little too taxing on the computer and slow for it to be a viable solution for Netflix, especially with Netflix accumulating more and more movies, users, and ratings every day</a:t>
             </a:r>
-            <a:endParaRPr/>
+            <a:endParaRPr dirty="0"/>
           </a:p>
           <a:p>
             <a:pPr marL="228600" marR="0" lvl="0" indent="-76200" algn="l" rtl="0">
@@ -22147,7 +22150,7 @@
               <a:buFont typeface="Arial"/>
               <a:buNone/>
             </a:pPr>
-            <a:endParaRPr sz="2400" b="0" i="0" u="none" strike="noStrike" cap="none">
+            <a:endParaRPr sz="2400" b="0" i="0" u="none" strike="noStrike" cap="none" dirty="0">
               <a:solidFill>
                 <a:schemeClr val="dk1"/>
               </a:solidFill>
@@ -22176,67 +22179,7 @@
               <a:buChar char="•"/>
             </a:pPr>
             <a:r>
-              <a:rPr lang="en-US" sz="2400" b="0" i="0" u="none" strike="noStrike" cap="none">
-                <a:solidFill>
-                  <a:schemeClr val="dk1"/>
-                </a:solidFill>
-                <a:latin typeface="Calibri"/>
-                <a:ea typeface="Calibri"/>
-                <a:cs typeface="Calibri"/>
-                <a:sym typeface="Calibri"/>
-              </a:rPr>
-              <a:t>Especially with Netflix accumulating more and more movies, users, and rating every day</a:t>
-            </a:r>
-            <a:endParaRPr/>
-          </a:p>
-          <a:p>
-            <a:pPr marL="228600" marR="0" lvl="0" indent="-76200" algn="l" rtl="0">
-              <a:lnSpc>
-                <a:spcPct val="80000"/>
-              </a:lnSpc>
-              <a:spcBef>
-                <a:spcPts val="0"/>
-              </a:spcBef>
-              <a:spcAft>
-                <a:spcPts val="0"/>
-              </a:spcAft>
-              <a:buClr>
-                <a:schemeClr val="dk1"/>
-              </a:buClr>
-              <a:buSzPts val="2400"/>
-              <a:buFont typeface="Arial"/>
-              <a:buNone/>
-            </a:pPr>
-            <a:endParaRPr sz="2400" b="0" i="0" u="none" strike="noStrike" cap="none">
-              <a:solidFill>
-                <a:schemeClr val="dk1"/>
-              </a:solidFill>
-              <a:latin typeface="Calibri"/>
-              <a:ea typeface="Calibri"/>
-              <a:cs typeface="Calibri"/>
-              <a:sym typeface="Calibri"/>
-            </a:endParaRPr>
-          </a:p>
-          <a:p>
-            <a:pPr marL="228600" marR="0" lvl="0" indent="-228600" algn="l" rtl="0">
-              <a:lnSpc>
-                <a:spcPct val="80000"/>
-              </a:lnSpc>
-              <a:spcBef>
-                <a:spcPts val="0"/>
-              </a:spcBef>
-              <a:spcAft>
-                <a:spcPts val="0"/>
-              </a:spcAft>
-              <a:buClr>
-                <a:schemeClr val="dk1"/>
-              </a:buClr>
-              <a:buSzPts val="2400"/>
-              <a:buFont typeface="Arial"/>
-              <a:buChar char="•"/>
-            </a:pPr>
-            <a:r>
-              <a:rPr lang="en-US" sz="2400" b="0" i="0" u="none" strike="noStrike" cap="none">
+              <a:rPr lang="en-US" sz="2400" b="0" i="0" u="none" strike="noStrike" cap="none" dirty="0">
                 <a:solidFill>
                   <a:schemeClr val="dk1"/>
                 </a:solidFill>
@@ -22247,7 +22190,7 @@
               </a:rPr>
               <a:t>Additionally, the solution of the winner’s in this competition was not actually implemented into Netflix’s rating system due to the increase in usage when switching from DVDs to Streaming</a:t>
             </a:r>
-            <a:endParaRPr sz="2000" b="0" i="0" u="none" strike="noStrike" cap="none">
+            <a:endParaRPr sz="2000" b="0" i="0" u="none" strike="noStrike" cap="none" dirty="0">
               <a:solidFill>
                 <a:schemeClr val="dk1"/>
               </a:solidFill>
@@ -22275,7 +22218,7 @@
               <a:buFont typeface="Arial"/>
               <a:buNone/>
             </a:pPr>
-            <a:endParaRPr sz="2000" b="0" i="0" u="none" strike="noStrike" cap="none">
+            <a:endParaRPr sz="2000" b="0" i="0" u="none" strike="noStrike" cap="none" dirty="0">
               <a:solidFill>
                 <a:schemeClr val="dk1"/>
               </a:solidFill>
